--- a/2021cc_얼굴 비교를 통한 출석체크 프로그램.pptx
+++ b/2021cc_얼굴 비교를 통한 출석체크 프로그램.pptx
@@ -15,8 +15,8 @@
     <p:sldId id="260" r:id="rId9"/>
     <p:sldId id="261" r:id="rId10"/>
     <p:sldId id="265" r:id="rId11"/>
-    <p:sldId id="262" r:id="rId12"/>
-    <p:sldId id="267" r:id="rId13"/>
+    <p:sldId id="270" r:id="rId12"/>
+    <p:sldId id="262" r:id="rId13"/>
     <p:sldId id="264" r:id="rId14"/>
   </p:sldIdLst>
   <p:sldSz cx="12192000" cy="6858000"/>
@@ -3162,7 +3162,7 @@
           <a:p>
             <a:fld id="{00E92C03-AB30-4CB6-B2A1-69579DE6926A}" type="datetimeFigureOut">
               <a:rPr lang="ko-KR" altLang="en-US" smtClean="0"/>
-              <a:t>2021-12-05</a:t>
+              <a:t>2021-12-06</a:t>
             </a:fld>
             <a:endParaRPr lang="ko-KR" altLang="en-US"/>
           </a:p>
@@ -3360,7 +3360,7 @@
           <a:p>
             <a:fld id="{00E92C03-AB30-4CB6-B2A1-69579DE6926A}" type="datetimeFigureOut">
               <a:rPr lang="ko-KR" altLang="en-US" smtClean="0"/>
-              <a:t>2021-12-05</a:t>
+              <a:t>2021-12-06</a:t>
             </a:fld>
             <a:endParaRPr lang="ko-KR" altLang="en-US"/>
           </a:p>
@@ -3568,7 +3568,7 @@
           <a:p>
             <a:fld id="{00E92C03-AB30-4CB6-B2A1-69579DE6926A}" type="datetimeFigureOut">
               <a:rPr lang="ko-KR" altLang="en-US" smtClean="0"/>
-              <a:t>2021-12-05</a:t>
+              <a:t>2021-12-06</a:t>
             </a:fld>
             <a:endParaRPr lang="ko-KR" altLang="en-US"/>
           </a:p>
@@ -3766,7 +3766,7 @@
           <a:p>
             <a:fld id="{00E92C03-AB30-4CB6-B2A1-69579DE6926A}" type="datetimeFigureOut">
               <a:rPr lang="ko-KR" altLang="en-US" smtClean="0"/>
-              <a:t>2021-12-05</a:t>
+              <a:t>2021-12-06</a:t>
             </a:fld>
             <a:endParaRPr lang="ko-KR" altLang="en-US"/>
           </a:p>
@@ -4041,7 +4041,7 @@
           <a:p>
             <a:fld id="{00E92C03-AB30-4CB6-B2A1-69579DE6926A}" type="datetimeFigureOut">
               <a:rPr lang="ko-KR" altLang="en-US" smtClean="0"/>
-              <a:t>2021-12-05</a:t>
+              <a:t>2021-12-06</a:t>
             </a:fld>
             <a:endParaRPr lang="ko-KR" altLang="en-US"/>
           </a:p>
@@ -4306,7 +4306,7 @@
           <a:p>
             <a:fld id="{00E92C03-AB30-4CB6-B2A1-69579DE6926A}" type="datetimeFigureOut">
               <a:rPr lang="ko-KR" altLang="en-US" smtClean="0"/>
-              <a:t>2021-12-05</a:t>
+              <a:t>2021-12-06</a:t>
             </a:fld>
             <a:endParaRPr lang="ko-KR" altLang="en-US"/>
           </a:p>
@@ -4718,7 +4718,7 @@
           <a:p>
             <a:fld id="{00E92C03-AB30-4CB6-B2A1-69579DE6926A}" type="datetimeFigureOut">
               <a:rPr lang="ko-KR" altLang="en-US" smtClean="0"/>
-              <a:t>2021-12-05</a:t>
+              <a:t>2021-12-06</a:t>
             </a:fld>
             <a:endParaRPr lang="ko-KR" altLang="en-US"/>
           </a:p>
@@ -4859,7 +4859,7 @@
           <a:p>
             <a:fld id="{00E92C03-AB30-4CB6-B2A1-69579DE6926A}" type="datetimeFigureOut">
               <a:rPr lang="ko-KR" altLang="en-US" smtClean="0"/>
-              <a:t>2021-12-05</a:t>
+              <a:t>2021-12-06</a:t>
             </a:fld>
             <a:endParaRPr lang="ko-KR" altLang="en-US"/>
           </a:p>
@@ -4972,7 +4972,7 @@
           <a:p>
             <a:fld id="{00E92C03-AB30-4CB6-B2A1-69579DE6926A}" type="datetimeFigureOut">
               <a:rPr lang="ko-KR" altLang="en-US" smtClean="0"/>
-              <a:t>2021-12-05</a:t>
+              <a:t>2021-12-06</a:t>
             </a:fld>
             <a:endParaRPr lang="ko-KR" altLang="en-US"/>
           </a:p>
@@ -5283,7 +5283,7 @@
           <a:p>
             <a:fld id="{00E92C03-AB30-4CB6-B2A1-69579DE6926A}" type="datetimeFigureOut">
               <a:rPr lang="ko-KR" altLang="en-US" smtClean="0"/>
-              <a:t>2021-12-05</a:t>
+              <a:t>2021-12-06</a:t>
             </a:fld>
             <a:endParaRPr lang="ko-KR" altLang="en-US"/>
           </a:p>
@@ -5571,7 +5571,7 @@
           <a:p>
             <a:fld id="{00E92C03-AB30-4CB6-B2A1-69579DE6926A}" type="datetimeFigureOut">
               <a:rPr lang="ko-KR" altLang="en-US" smtClean="0"/>
-              <a:t>2021-12-05</a:t>
+              <a:t>2021-12-06</a:t>
             </a:fld>
             <a:endParaRPr lang="ko-KR" altLang="en-US"/>
           </a:p>
@@ -5812,7 +5812,7 @@
           <a:p>
             <a:fld id="{00E92C03-AB30-4CB6-B2A1-69579DE6926A}" type="datetimeFigureOut">
               <a:rPr lang="ko-KR" altLang="en-US" smtClean="0"/>
-              <a:t>2021-12-05</a:t>
+              <a:t>2021-12-06</a:t>
             </a:fld>
             <a:endParaRPr lang="ko-KR" altLang="en-US"/>
           </a:p>
@@ -7448,6 +7448,436 @@
       </p:grpSpPr>
       <p:sp useBgFill="1">
         <p:nvSpPr>
+          <p:cNvPr id="24" name="Rectangle 7">
+            <a:extLst>
+              <a:ext uri="{FF2B5EF4-FFF2-40B4-BE49-F238E27FC236}">
+                <a16:creationId xmlns:a16="http://schemas.microsoft.com/office/drawing/2014/main" id="{389575E1-3389-451A-A5F7-27854C25C599}"/>
+              </a:ext>
+              <a:ext uri="{C183D7F6-B498-43B3-948B-1728B52AA6E4}">
+                <adec:decorative xmlns:adec="http://schemas.microsoft.com/office/drawing/2017/decorative" val="1"/>
+              </a:ext>
+            </a:extLst>
+          </p:cNvPr>
+          <p:cNvSpPr>
+            <a:spLocks noGrp="1" noRot="1" noChangeAspect="1" noMove="1" noResize="1" noEditPoints="1" noAdjustHandles="1" noChangeArrowheads="1" noChangeShapeType="1" noTextEdit="1"/>
+          </p:cNvSpPr>
+          <p:nvPr>
+            <p:extLst>
+              <p:ext uri="{386F3935-93C4-4BCD-93E2-E3B085C9AB24}">
+                <p16:designElem xmlns:p16="http://schemas.microsoft.com/office/powerpoint/2015/main" val="1"/>
+              </p:ext>
+            </p:extLst>
+          </p:nvPr>
+        </p:nvSpPr>
+        <p:spPr>
+          <a:xfrm>
+            <a:off x="3048" y="4293"/>
+            <a:ext cx="12188952" cy="6858000"/>
+          </a:xfrm>
+          <a:prstGeom prst="rect">
+            <a:avLst/>
+          </a:prstGeom>
+          <a:ln>
+            <a:noFill/>
+          </a:ln>
+        </p:spPr>
+        <p:style>
+          <a:lnRef idx="2">
+            <a:schemeClr val="accent1">
+              <a:shade val="50000"/>
+            </a:schemeClr>
+          </a:lnRef>
+          <a:fillRef idx="1">
+            <a:schemeClr val="accent1"/>
+          </a:fillRef>
+          <a:effectRef idx="0">
+            <a:schemeClr val="accent1"/>
+          </a:effectRef>
+          <a:fontRef idx="minor">
+            <a:schemeClr val="lt1"/>
+          </a:fontRef>
+        </p:style>
+        <p:txBody>
+          <a:bodyPr rtlCol="0" anchor="ctr"/>
+          <a:lstStyle/>
+          <a:p>
+            <a:pPr algn="ctr"/>
+            <a:endParaRPr lang="en-US"/>
+          </a:p>
+        </p:txBody>
+      </p:sp>
+      <p:sp>
+        <p:nvSpPr>
+          <p:cNvPr id="25" name="Rectangle 9">
+            <a:extLst>
+              <a:ext uri="{FF2B5EF4-FFF2-40B4-BE49-F238E27FC236}">
+                <a16:creationId xmlns:a16="http://schemas.microsoft.com/office/drawing/2014/main" id="{A53CCC5C-D88E-40FB-B30B-23DCDBD01D37}"/>
+              </a:ext>
+              <a:ext uri="{C183D7F6-B498-43B3-948B-1728B52AA6E4}">
+                <adec:decorative xmlns:adec="http://schemas.microsoft.com/office/drawing/2017/decorative" val="1"/>
+              </a:ext>
+            </a:extLst>
+          </p:cNvPr>
+          <p:cNvSpPr>
+            <a:spLocks noGrp="1" noRot="1" noChangeAspect="1" noMove="1" noResize="1" noEditPoints="1" noAdjustHandles="1" noChangeArrowheads="1" noChangeShapeType="1" noTextEdit="1"/>
+          </p:cNvSpPr>
+          <p:nvPr>
+            <p:extLst>
+              <p:ext uri="{386F3935-93C4-4BCD-93E2-E3B085C9AB24}">
+                <p16:designElem xmlns:p16="http://schemas.microsoft.com/office/powerpoint/2015/main" val="1"/>
+              </p:ext>
+            </p:extLst>
+          </p:nvPr>
+        </p:nvSpPr>
+        <p:spPr>
+          <a:xfrm>
+            <a:off x="0" y="-4"/>
+            <a:ext cx="4167268" cy="6858004"/>
+          </a:xfrm>
+          <a:prstGeom prst="rect">
+            <a:avLst/>
+          </a:prstGeom>
+          <a:solidFill>
+            <a:schemeClr val="accent2"/>
+          </a:solidFill>
+          <a:ln>
+            <a:noFill/>
+          </a:ln>
+        </p:spPr>
+        <p:style>
+          <a:lnRef idx="2">
+            <a:schemeClr val="accent1">
+              <a:shade val="50000"/>
+            </a:schemeClr>
+          </a:lnRef>
+          <a:fillRef idx="1">
+            <a:schemeClr val="accent1"/>
+          </a:fillRef>
+          <a:effectRef idx="0">
+            <a:schemeClr val="accent1"/>
+          </a:effectRef>
+          <a:fontRef idx="minor">
+            <a:schemeClr val="lt1"/>
+          </a:fontRef>
+        </p:style>
+        <p:txBody>
+          <a:bodyPr rtlCol="0" anchor="ctr"/>
+          <a:lstStyle/>
+          <a:p>
+            <a:pPr algn="ctr"/>
+            <a:endParaRPr lang="en-US"/>
+          </a:p>
+        </p:txBody>
+      </p:sp>
+      <p:sp>
+        <p:nvSpPr>
+          <p:cNvPr id="2" name="제목 1">
+            <a:extLst>
+              <a:ext uri="{FF2B5EF4-FFF2-40B4-BE49-F238E27FC236}">
+                <a16:creationId xmlns:a16="http://schemas.microsoft.com/office/drawing/2014/main" id="{53173517-EAA9-422A-95FC-7BEABC4A2499}"/>
+              </a:ext>
+            </a:extLst>
+          </p:cNvPr>
+          <p:cNvSpPr>
+            <a:spLocks noGrp="1"/>
+          </p:cNvSpPr>
+          <p:nvPr>
+            <p:ph type="title"/>
+          </p:nvPr>
+        </p:nvSpPr>
+        <p:spPr>
+          <a:xfrm>
+            <a:off x="686834" y="591344"/>
+            <a:ext cx="3200400" cy="5585619"/>
+          </a:xfrm>
+        </p:spPr>
+        <p:txBody>
+          <a:bodyPr>
+            <a:normAutofit/>
+          </a:bodyPr>
+          <a:lstStyle/>
+          <a:p>
+            <a:r>
+              <a:rPr lang="ko-KR" altLang="en-US" b="1">
+                <a:solidFill>
+                  <a:srgbClr val="FFFFFF"/>
+                </a:solidFill>
+              </a:rPr>
+              <a:t>프로그램</a:t>
+            </a:r>
+            <a:br>
+              <a:rPr lang="en-US" altLang="ko-KR" b="1">
+                <a:solidFill>
+                  <a:srgbClr val="FFFFFF"/>
+                </a:solidFill>
+              </a:rPr>
+            </a:br>
+            <a:r>
+              <a:rPr lang="ko-KR" altLang="en-US" b="1">
+                <a:solidFill>
+                  <a:srgbClr val="FFFFFF"/>
+                </a:solidFill>
+              </a:rPr>
+              <a:t>사용법</a:t>
+            </a:r>
+            <a:br>
+              <a:rPr lang="en-US" altLang="ko-KR" b="1">
+                <a:solidFill>
+                  <a:srgbClr val="FFFFFF"/>
+                </a:solidFill>
+              </a:rPr>
+            </a:br>
+            <a:r>
+              <a:rPr lang="en-US" altLang="ko-KR" b="1">
+                <a:solidFill>
+                  <a:srgbClr val="FFFFFF"/>
+                </a:solidFill>
+              </a:rPr>
+              <a:t>- </a:t>
+            </a:r>
+            <a:r>
+              <a:rPr lang="ko-KR" altLang="en-US" b="1">
+                <a:solidFill>
+                  <a:srgbClr val="FFFFFF"/>
+                </a:solidFill>
+              </a:rPr>
+              <a:t>사진</a:t>
+            </a:r>
+            <a:endParaRPr lang="ko-KR" altLang="en-US" b="1" dirty="0">
+              <a:solidFill>
+                <a:srgbClr val="FFFFFF"/>
+              </a:solidFill>
+            </a:endParaRPr>
+          </a:p>
+        </p:txBody>
+      </p:sp>
+      <p:sp>
+        <p:nvSpPr>
+          <p:cNvPr id="26" name="Arc 11">
+            <a:extLst>
+              <a:ext uri="{FF2B5EF4-FFF2-40B4-BE49-F238E27FC236}">
+                <a16:creationId xmlns:a16="http://schemas.microsoft.com/office/drawing/2014/main" id="{081E4A58-353D-44AE-B2FC-2A74E2E400F7}"/>
+              </a:ext>
+              <a:ext uri="{C183D7F6-B498-43B3-948B-1728B52AA6E4}">
+                <adec:decorative xmlns:adec="http://schemas.microsoft.com/office/drawing/2017/decorative" val="1"/>
+              </a:ext>
+            </a:extLst>
+          </p:cNvPr>
+          <p:cNvSpPr>
+            <a:spLocks noGrp="1" noRot="1" noChangeAspect="1" noMove="1" noResize="1" noEditPoints="1" noAdjustHandles="1" noChangeArrowheads="1" noChangeShapeType="1" noTextEdit="1"/>
+          </p:cNvSpPr>
+          <p:nvPr>
+            <p:extLst>
+              <p:ext uri="{386F3935-93C4-4BCD-93E2-E3B085C9AB24}">
+                <p16:designElem xmlns:p16="http://schemas.microsoft.com/office/powerpoint/2015/main" val="1"/>
+              </p:ext>
+            </p:extLst>
+          </p:nvPr>
+        </p:nvSpPr>
+        <p:spPr>
+          <a:xfrm flipV="1">
+            <a:off x="7550402" y="2455479"/>
+            <a:ext cx="4083433" cy="4083433"/>
+          </a:xfrm>
+          <a:prstGeom prst="arc">
+            <a:avLst/>
+          </a:prstGeom>
+          <a:ln w="127000" cap="rnd">
+            <a:solidFill>
+              <a:schemeClr val="accent4"/>
+            </a:solidFill>
+            <a:prstDash val="dash"/>
+          </a:ln>
+        </p:spPr>
+        <p:style>
+          <a:lnRef idx="1">
+            <a:schemeClr val="accent1"/>
+          </a:lnRef>
+          <a:fillRef idx="0">
+            <a:schemeClr val="accent1"/>
+          </a:fillRef>
+          <a:effectRef idx="0">
+            <a:schemeClr val="accent1"/>
+          </a:effectRef>
+          <a:fontRef idx="minor">
+            <a:schemeClr val="tx1"/>
+          </a:fontRef>
+        </p:style>
+        <p:txBody>
+          <a:bodyPr rtlCol="0" anchor="ctr"/>
+          <a:lstStyle/>
+          <a:p>
+            <a:pPr algn="ctr"/>
+            <a:endParaRPr lang="en-US" dirty="0"/>
+          </a:p>
+        </p:txBody>
+      </p:sp>
+      <p:sp>
+        <p:nvSpPr>
+          <p:cNvPr id="3" name="내용 개체 틀 2">
+            <a:extLst>
+              <a:ext uri="{FF2B5EF4-FFF2-40B4-BE49-F238E27FC236}">
+                <a16:creationId xmlns:a16="http://schemas.microsoft.com/office/drawing/2014/main" id="{BC268C17-CB6A-4CBC-AA23-4526FDCD58DB}"/>
+              </a:ext>
+            </a:extLst>
+          </p:cNvPr>
+          <p:cNvSpPr>
+            <a:spLocks noGrp="1"/>
+          </p:cNvSpPr>
+          <p:nvPr>
+            <p:ph idx="1"/>
+          </p:nvPr>
+        </p:nvSpPr>
+        <p:spPr>
+          <a:xfrm>
+            <a:off x="4447308" y="591344"/>
+            <a:ext cx="6906491" cy="5585619"/>
+          </a:xfrm>
+        </p:spPr>
+        <p:txBody>
+          <a:bodyPr anchor="ctr">
+            <a:normAutofit/>
+          </a:bodyPr>
+          <a:lstStyle/>
+          <a:p>
+            <a:endParaRPr lang="ko-KR" altLang="en-US" dirty="0"/>
+          </a:p>
+        </p:txBody>
+      </p:sp>
+      <p:pic>
+        <p:nvPicPr>
+          <p:cNvPr id="1026" name="Picture 2" descr="image">
+            <a:extLst>
+              <a:ext uri="{FF2B5EF4-FFF2-40B4-BE49-F238E27FC236}">
+                <a16:creationId xmlns:a16="http://schemas.microsoft.com/office/drawing/2014/main" id="{1E449349-AE2E-4E83-BE91-0DCCC08FC97C}"/>
+              </a:ext>
+            </a:extLst>
+          </p:cNvPr>
+          <p:cNvPicPr>
+            <a:picLocks noChangeAspect="1" noChangeArrowheads="1"/>
+          </p:cNvPicPr>
+          <p:nvPr/>
+        </p:nvPicPr>
+        <p:blipFill>
+          <a:blip r:embed="rId2">
+            <a:extLst>
+              <a:ext uri="{28A0092B-C50C-407E-A947-70E740481C1C}">
+                <a14:useLocalDpi xmlns:a14="http://schemas.microsoft.com/office/drawing/2010/main" val="0"/>
+              </a:ext>
+            </a:extLst>
+          </a:blip>
+          <a:srcRect/>
+          <a:stretch>
+            <a:fillRect/>
+          </a:stretch>
+        </p:blipFill>
+        <p:spPr bwMode="auto">
+          <a:xfrm>
+            <a:off x="0" y="543804"/>
+            <a:ext cx="12192000" cy="3176587"/>
+          </a:xfrm>
+          <a:prstGeom prst="rect">
+            <a:avLst/>
+          </a:prstGeom>
+          <a:noFill/>
+          <a:extLst>
+            <a:ext uri="{909E8E84-426E-40DD-AFC4-6F175D3DCCD1}">
+              <a14:hiddenFill xmlns:a14="http://schemas.microsoft.com/office/drawing/2010/main">
+                <a:solidFill>
+                  <a:srgbClr val="FFFFFF"/>
+                </a:solidFill>
+              </a14:hiddenFill>
+            </a:ext>
+          </a:extLst>
+        </p:spPr>
+      </p:pic>
+      <p:pic>
+        <p:nvPicPr>
+          <p:cNvPr id="1028" name="Picture 4" descr="image">
+            <a:extLst>
+              <a:ext uri="{FF2B5EF4-FFF2-40B4-BE49-F238E27FC236}">
+                <a16:creationId xmlns:a16="http://schemas.microsoft.com/office/drawing/2014/main" id="{FCA0D7B1-52A2-40FD-BF10-D509B44E1317}"/>
+              </a:ext>
+            </a:extLst>
+          </p:cNvPr>
+          <p:cNvPicPr>
+            <a:picLocks noChangeAspect="1" noChangeArrowheads="1"/>
+          </p:cNvPicPr>
+          <p:nvPr/>
+        </p:nvPicPr>
+        <p:blipFill>
+          <a:blip r:embed="rId3">
+            <a:extLst>
+              <a:ext uri="{28A0092B-C50C-407E-A947-70E740481C1C}">
+                <a14:useLocalDpi xmlns:a14="http://schemas.microsoft.com/office/drawing/2010/main" val="0"/>
+              </a:ext>
+            </a:extLst>
+          </a:blip>
+          <a:srcRect/>
+          <a:stretch>
+            <a:fillRect/>
+          </a:stretch>
+        </p:blipFill>
+        <p:spPr bwMode="auto">
+          <a:xfrm>
+            <a:off x="3829050" y="3859285"/>
+            <a:ext cx="4533900" cy="2895600"/>
+          </a:xfrm>
+          <a:prstGeom prst="rect">
+            <a:avLst/>
+          </a:prstGeom>
+          <a:noFill/>
+          <a:extLst>
+            <a:ext uri="{909E8E84-426E-40DD-AFC4-6F175D3DCCD1}">
+              <a14:hiddenFill xmlns:a14="http://schemas.microsoft.com/office/drawing/2010/main">
+                <a:solidFill>
+                  <a:srgbClr val="FFFFFF"/>
+                </a:solidFill>
+              </a14:hiddenFill>
+            </a:ext>
+          </a:extLst>
+        </p:spPr>
+      </p:pic>
+    </p:spTree>
+    <p:extLst>
+      <p:ext uri="{BB962C8B-B14F-4D97-AF65-F5344CB8AC3E}">
+        <p14:creationId xmlns:p14="http://schemas.microsoft.com/office/powerpoint/2010/main" val="1905694307"/>
+      </p:ext>
+    </p:extLst>
+  </p:cSld>
+  <p:clrMapOvr>
+    <a:masterClrMapping/>
+  </p:clrMapOvr>
+</p:sld>
+</file>
+
+<file path=ppt/slides/slide12.xml><?xml version="1.0" encoding="utf-8"?>
+<p:sld xmlns:a="http://schemas.openxmlformats.org/drawingml/2006/main" xmlns:r="http://schemas.openxmlformats.org/officeDocument/2006/relationships" xmlns:p="http://schemas.openxmlformats.org/presentationml/2006/main">
+  <p:cSld>
+    <p:bg>
+      <p:bgPr>
+        <a:solidFill>
+          <a:schemeClr val="bg1"/>
+        </a:solidFill>
+        <a:effectLst/>
+      </p:bgPr>
+    </p:bg>
+    <p:spTree>
+      <p:nvGrpSpPr>
+        <p:cNvPr id="1" name=""/>
+        <p:cNvGrpSpPr/>
+        <p:nvPr/>
+      </p:nvGrpSpPr>
+      <p:grpSpPr>
+        <a:xfrm>
+          <a:off x="0" y="0"/>
+          <a:ext cx="0" cy="0"/>
+          <a:chOff x="0" y="0"/>
+          <a:chExt cx="0" cy="0"/>
+        </a:xfrm>
+      </p:grpSpPr>
+      <p:sp useBgFill="1">
+        <p:nvSpPr>
           <p:cNvPr id="8" name="Rectangle 7">
             <a:extLst>
               <a:ext uri="{FF2B5EF4-FFF2-40B4-BE49-F238E27FC236}">
@@ -7825,179 +8255,6 @@
     <p:extLst>
       <p:ext uri="{BB962C8B-B14F-4D97-AF65-F5344CB8AC3E}">
         <p14:creationId xmlns:p14="http://schemas.microsoft.com/office/powerpoint/2010/main" val="3542027153"/>
-      </p:ext>
-    </p:extLst>
-  </p:cSld>
-  <p:clrMapOvr>
-    <a:masterClrMapping/>
-  </p:clrMapOvr>
-</p:sld>
-</file>
-
-<file path=ppt/slides/slide12.xml><?xml version="1.0" encoding="utf-8"?>
-<p:sld xmlns:a="http://schemas.openxmlformats.org/drawingml/2006/main" xmlns:r="http://schemas.openxmlformats.org/officeDocument/2006/relationships" xmlns:p="http://schemas.openxmlformats.org/presentationml/2006/main">
-  <p:cSld>
-    <p:spTree>
-      <p:nvGrpSpPr>
-        <p:cNvPr id="1" name=""/>
-        <p:cNvGrpSpPr/>
-        <p:nvPr/>
-      </p:nvGrpSpPr>
-      <p:grpSpPr>
-        <a:xfrm>
-          <a:off x="0" y="0"/>
-          <a:ext cx="0" cy="0"/>
-          <a:chOff x="0" y="0"/>
-          <a:chExt cx="0" cy="0"/>
-        </a:xfrm>
-      </p:grpSpPr>
-      <p:sp>
-        <p:nvSpPr>
-          <p:cNvPr id="2" name="제목 1">
-            <a:extLst>
-              <a:ext uri="{FF2B5EF4-FFF2-40B4-BE49-F238E27FC236}">
-                <a16:creationId xmlns:a16="http://schemas.microsoft.com/office/drawing/2014/main" id="{53173517-EAA9-422A-95FC-7BEABC4A2499}"/>
-              </a:ext>
-            </a:extLst>
-          </p:cNvPr>
-          <p:cNvSpPr>
-            <a:spLocks noGrp="1"/>
-          </p:cNvSpPr>
-          <p:nvPr>
-            <p:ph type="title"/>
-          </p:nvPr>
-        </p:nvSpPr>
-        <p:spPr/>
-        <p:txBody>
-          <a:bodyPr/>
-          <a:lstStyle/>
-          <a:p>
-            <a:endParaRPr lang="ko-KR" altLang="en-US" dirty="0"/>
-          </a:p>
-        </p:txBody>
-      </p:sp>
-      <p:sp>
-        <p:nvSpPr>
-          <p:cNvPr id="3" name="내용 개체 틀 2">
-            <a:extLst>
-              <a:ext uri="{FF2B5EF4-FFF2-40B4-BE49-F238E27FC236}">
-                <a16:creationId xmlns:a16="http://schemas.microsoft.com/office/drawing/2014/main" id="{BC268C17-CB6A-4CBC-AA23-4526FDCD58DB}"/>
-              </a:ext>
-            </a:extLst>
-          </p:cNvPr>
-          <p:cNvSpPr>
-            <a:spLocks noGrp="1"/>
-          </p:cNvSpPr>
-          <p:nvPr>
-            <p:ph idx="1"/>
-          </p:nvPr>
-        </p:nvSpPr>
-        <p:spPr/>
-        <p:txBody>
-          <a:bodyPr/>
-          <a:lstStyle/>
-          <a:p>
-            <a:endParaRPr lang="ko-KR" altLang="en-US" dirty="0"/>
-          </a:p>
-        </p:txBody>
-      </p:sp>
-      <p:sp>
-        <p:nvSpPr>
-          <p:cNvPr id="4" name="직사각형 3">
-            <a:extLst>
-              <a:ext uri="{FF2B5EF4-FFF2-40B4-BE49-F238E27FC236}">
-                <a16:creationId xmlns:a16="http://schemas.microsoft.com/office/drawing/2014/main" id="{79F10EF0-6394-4CFF-8B7A-661B0239524F}"/>
-              </a:ext>
-            </a:extLst>
-          </p:cNvPr>
-          <p:cNvSpPr/>
-          <p:nvPr/>
-        </p:nvSpPr>
-        <p:spPr>
-          <a:xfrm>
-            <a:off x="158262" y="131885"/>
-            <a:ext cx="11852030" cy="6559061"/>
-          </a:xfrm>
-          <a:prstGeom prst="rect">
-            <a:avLst/>
-          </a:prstGeom>
-          <a:noFill/>
-          <a:ln w="19050">
-            <a:solidFill>
-              <a:schemeClr val="tx1"/>
-            </a:solidFill>
-          </a:ln>
-        </p:spPr>
-        <p:style>
-          <a:lnRef idx="2">
-            <a:schemeClr val="accent1">
-              <a:shade val="50000"/>
-            </a:schemeClr>
-          </a:lnRef>
-          <a:fillRef idx="1">
-            <a:schemeClr val="accent1"/>
-          </a:fillRef>
-          <a:effectRef idx="0">
-            <a:schemeClr val="accent1"/>
-          </a:effectRef>
-          <a:fontRef idx="minor">
-            <a:schemeClr val="lt1"/>
-          </a:fontRef>
-        </p:style>
-        <p:txBody>
-          <a:bodyPr rtlCol="0" anchor="ctr"/>
-          <a:lstStyle/>
-          <a:p>
-            <a:pPr algn="ctr"/>
-            <a:endParaRPr lang="ko-KR" altLang="en-US"/>
-          </a:p>
-        </p:txBody>
-      </p:sp>
-      <p:cxnSp>
-        <p:nvCxnSpPr>
-          <p:cNvPr id="5" name="직선 연결선 4">
-            <a:extLst>
-              <a:ext uri="{FF2B5EF4-FFF2-40B4-BE49-F238E27FC236}">
-                <a16:creationId xmlns:a16="http://schemas.microsoft.com/office/drawing/2014/main" id="{40427F00-98CE-4730-ABD6-39201FECC88B}"/>
-              </a:ext>
-            </a:extLst>
-          </p:cNvPr>
-          <p:cNvCxnSpPr/>
-          <p:nvPr/>
-        </p:nvCxnSpPr>
-        <p:spPr>
-          <a:xfrm>
-            <a:off x="756138" y="1485900"/>
-            <a:ext cx="10726616" cy="0"/>
-          </a:xfrm>
-          <a:prstGeom prst="line">
-            <a:avLst/>
-          </a:prstGeom>
-          <a:ln w="28575">
-            <a:solidFill>
-              <a:schemeClr val="tx1"/>
-            </a:solidFill>
-          </a:ln>
-        </p:spPr>
-        <p:style>
-          <a:lnRef idx="1">
-            <a:schemeClr val="accent1"/>
-          </a:lnRef>
-          <a:fillRef idx="0">
-            <a:schemeClr val="accent1"/>
-          </a:fillRef>
-          <a:effectRef idx="0">
-            <a:schemeClr val="accent1"/>
-          </a:effectRef>
-          <a:fontRef idx="minor">
-            <a:schemeClr val="tx1"/>
-          </a:fontRef>
-        </p:style>
-      </p:cxnSp>
-    </p:spTree>
-    <p:extLst>
-      <p:ext uri="{BB962C8B-B14F-4D97-AF65-F5344CB8AC3E}">
-        <p14:creationId xmlns:p14="http://schemas.microsoft.com/office/powerpoint/2010/main" val="1713392928"/>
       </p:ext>
     </p:extLst>
   </p:cSld>
